--- a/docs/diagrams/StorageComponentClassDiagram.pptx
+++ b/docs/diagrams/StorageComponentClassDiagram.pptx
@@ -107,22 +107,6 @@
       </a:defRPr>
     </a:lvl9pPr>
   </p:defaultTextStyle>
-  <p:extLst>
-    <p:ext uri="{EFAFB233-063F-42B5-8137-9DF3F51BA10A}">
-      <p15:sldGuideLst xmlns:p15="http://schemas.microsoft.com/office/powerpoint/2012/main">
-        <p15:guide id="1" orient="horz" pos="1488">
-          <p15:clr>
-            <a:srgbClr val="A4A3A4"/>
-          </p15:clr>
-        </p15:guide>
-        <p15:guide id="2" pos="2880">
-          <p15:clr>
-            <a:srgbClr val="A4A3A4"/>
-          </p15:clr>
-        </p15:guide>
-      </p15:sldGuideLst>
-    </p:ext>
-  </p:extLst>
 </p:presentation>
 </file>
 
@@ -208,7 +192,7 @@
           <a:p>
             <a:fld id="{F5CC4B3F-88C1-4FFA-B1B6-F41C21DC6924}" type="datetimeFigureOut">
               <a:rPr lang="en-US" smtClean="0"/>
-              <a:t>3/22/17</a:t>
+              <a:t>10/16/2016</a:t>
             </a:fld>
             <a:endParaRPr lang="en-US"/>
           </a:p>
@@ -657,7 +641,7 @@
           <a:p>
             <a:fld id="{78C97017-6FC3-485B-9764-EAC9E56C1D49}" type="datetimeFigureOut">
               <a:rPr lang="en-US" smtClean="0"/>
-              <a:t>3/22/17</a:t>
+              <a:t>10/16/2016</a:t>
             </a:fld>
             <a:endParaRPr lang="en-US"/>
           </a:p>
@@ -827,7 +811,7 @@
           <a:p>
             <a:fld id="{78C97017-6FC3-485B-9764-EAC9E56C1D49}" type="datetimeFigureOut">
               <a:rPr lang="en-US" smtClean="0"/>
-              <a:t>3/22/17</a:t>
+              <a:t>10/16/2016</a:t>
             </a:fld>
             <a:endParaRPr lang="en-US"/>
           </a:p>
@@ -1007,7 +991,7 @@
           <a:p>
             <a:fld id="{78C97017-6FC3-485B-9764-EAC9E56C1D49}" type="datetimeFigureOut">
               <a:rPr lang="en-US" smtClean="0"/>
-              <a:t>3/22/17</a:t>
+              <a:t>10/16/2016</a:t>
             </a:fld>
             <a:endParaRPr lang="en-US"/>
           </a:p>
@@ -1177,7 +1161,7 @@
           <a:p>
             <a:fld id="{78C97017-6FC3-485B-9764-EAC9E56C1D49}" type="datetimeFigureOut">
               <a:rPr lang="en-US" smtClean="0"/>
-              <a:t>3/22/17</a:t>
+              <a:t>10/16/2016</a:t>
             </a:fld>
             <a:endParaRPr lang="en-US"/>
           </a:p>
@@ -1423,7 +1407,7 @@
           <a:p>
             <a:fld id="{78C97017-6FC3-485B-9764-EAC9E56C1D49}" type="datetimeFigureOut">
               <a:rPr lang="en-US" smtClean="0"/>
-              <a:t>3/22/17</a:t>
+              <a:t>10/16/2016</a:t>
             </a:fld>
             <a:endParaRPr lang="en-US"/>
           </a:p>
@@ -1711,7 +1695,7 @@
           <a:p>
             <a:fld id="{78C97017-6FC3-485B-9764-EAC9E56C1D49}" type="datetimeFigureOut">
               <a:rPr lang="en-US" smtClean="0"/>
-              <a:t>3/22/17</a:t>
+              <a:t>10/16/2016</a:t>
             </a:fld>
             <a:endParaRPr lang="en-US"/>
           </a:p>
@@ -2133,7 +2117,7 @@
           <a:p>
             <a:fld id="{78C97017-6FC3-485B-9764-EAC9E56C1D49}" type="datetimeFigureOut">
               <a:rPr lang="en-US" smtClean="0"/>
-              <a:t>3/22/17</a:t>
+              <a:t>10/16/2016</a:t>
             </a:fld>
             <a:endParaRPr lang="en-US"/>
           </a:p>
@@ -2251,7 +2235,7 @@
           <a:p>
             <a:fld id="{78C97017-6FC3-485B-9764-EAC9E56C1D49}" type="datetimeFigureOut">
               <a:rPr lang="en-US" smtClean="0"/>
-              <a:t>3/22/17</a:t>
+              <a:t>10/16/2016</a:t>
             </a:fld>
             <a:endParaRPr lang="en-US"/>
           </a:p>
@@ -2346,7 +2330,7 @@
           <a:p>
             <a:fld id="{78C97017-6FC3-485B-9764-EAC9E56C1D49}" type="datetimeFigureOut">
               <a:rPr lang="en-US" smtClean="0"/>
-              <a:t>3/22/17</a:t>
+              <a:t>10/16/2016</a:t>
             </a:fld>
             <a:endParaRPr lang="en-US"/>
           </a:p>
@@ -2623,7 +2607,7 @@
           <a:p>
             <a:fld id="{78C97017-6FC3-485B-9764-EAC9E56C1D49}" type="datetimeFigureOut">
               <a:rPr lang="en-US" smtClean="0"/>
-              <a:t>3/22/17</a:t>
+              <a:t>10/16/2016</a:t>
             </a:fld>
             <a:endParaRPr lang="en-US"/>
           </a:p>
@@ -2876,7 +2860,7 @@
           <a:p>
             <a:fld id="{78C97017-6FC3-485B-9764-EAC9E56C1D49}" type="datetimeFigureOut">
               <a:rPr lang="en-US" smtClean="0"/>
-              <a:t>3/22/17</a:t>
+              <a:t>10/16/2016</a:t>
             </a:fld>
             <a:endParaRPr lang="en-US"/>
           </a:p>
@@ -3089,7 +3073,7 @@
           <a:p>
             <a:fld id="{78C97017-6FC3-485B-9764-EAC9E56C1D49}" type="datetimeFigureOut">
               <a:rPr lang="en-US" smtClean="0"/>
-              <a:t>3/22/17</a:t>
+              <a:t>10/16/2016</a:t>
             </a:fld>
             <a:endParaRPr lang="en-US"/>
           </a:p>
@@ -3537,8 +3521,8 @@
         </p:nvSpPr>
         <p:spPr>
           <a:xfrm>
-            <a:off x="2877180" y="3040052"/>
-            <a:ext cx="1323049" cy="465148"/>
+            <a:off x="2877180" y="3158440"/>
+            <a:ext cx="1323049" cy="346760"/>
           </a:xfrm>
           <a:prstGeom prst="rect">
             <a:avLst/>
@@ -3592,22 +3576,14 @@
               </a:rPr>
             </a:br>
             <a:r>
-              <a:rPr lang="en-US" sz="900" dirty="0" err="1" smtClean="0">
+              <a:rPr lang="en-US" sz="1050" dirty="0" err="1" smtClean="0">
                 <a:solidFill>
                   <a:schemeClr val="bg1"/>
                 </a:solidFill>
               </a:rPr>
-              <a:t>TaskManager</a:t>
-            </a:r>
-            <a:r>
-              <a:rPr lang="en-US" sz="900" dirty="0" err="1" smtClean="0">
-                <a:solidFill>
-                  <a:schemeClr val="bg1"/>
-                </a:solidFill>
-              </a:rPr>
-              <a:t>Storage</a:t>
-            </a:r>
-            <a:endParaRPr lang="en-SG" sz="900" dirty="0">
+              <a:t>AddressBookStorage</a:t>
+            </a:r>
+            <a:endParaRPr lang="en-SG" sz="1050" dirty="0">
               <a:solidFill>
                 <a:schemeClr val="bg1"/>
               </a:solidFill>
@@ -3817,9 +3793,9 @@
           <p:nvPr/>
         </p:nvCxnSpPr>
         <p:spPr>
-          <a:xfrm flipV="1">
-            <a:off x="2656370" y="3272626"/>
-            <a:ext cx="220810" cy="53910"/>
+          <a:xfrm>
+            <a:off x="2656370" y="3326536"/>
+            <a:ext cx="220810" cy="5284"/>
           </a:xfrm>
           <a:prstGeom prst="straightConnector1">
             <a:avLst/>
@@ -4178,7 +4154,7 @@
                   </a:schemeClr>
                 </a:solidFill>
               </a:rPr>
-              <a:t>XmlTaskManager</a:t>
+              <a:t>XmlAddressBook</a:t>
             </a:r>
             <a:r>
               <a:rPr lang="en-US" sz="1050" b="1" dirty="0" smtClean="0">
@@ -4651,7 +4627,104 @@
                   </a:schemeClr>
                 </a:solidFill>
               </a:rPr>
-              <a:t>TaskManager</a:t>
+              <a:t>AddressBook</a:t>
+            </a:r>
+            <a:endParaRPr lang="en-SG" sz="1050" b="1" dirty="0">
+              <a:solidFill>
+                <a:schemeClr val="accent6">
+                  <a:lumMod val="75000"/>
+                </a:schemeClr>
+              </a:solidFill>
+            </a:endParaRPr>
+          </a:p>
+        </p:txBody>
+      </p:sp>
+      <p:cxnSp>
+        <p:nvCxnSpPr>
+          <p:cNvPr id="70" name="Elbow Connector 122"/>
+          <p:cNvCxnSpPr>
+            <a:stCxn id="74" idx="0"/>
+            <a:endCxn id="73" idx="2"/>
+          </p:cNvCxnSpPr>
+          <p:nvPr/>
+        </p:nvCxnSpPr>
+        <p:spPr>
+          <a:xfrm rot="5400000" flipH="1" flipV="1">
+            <a:off x="8077993" y="2992020"/>
+            <a:ext cx="335208" cy="12700"/>
+          </a:xfrm>
+          <a:prstGeom prst="bentConnector3">
+            <a:avLst>
+              <a:gd name="adj1" fmla="val 50000"/>
+            </a:avLst>
+          </a:prstGeom>
+          <a:ln w="19050">
+            <a:prstDash val="sysDot"/>
+            <a:headEnd type="none" w="med" len="med"/>
+            <a:tailEnd type="arrow" w="med" len="med"/>
+          </a:ln>
+          <a:effectLst/>
+        </p:spPr>
+        <p:style>
+          <a:lnRef idx="1">
+            <a:schemeClr val="accent6"/>
+          </a:lnRef>
+          <a:fillRef idx="2">
+            <a:schemeClr val="accent6"/>
+          </a:fillRef>
+          <a:effectRef idx="1">
+            <a:schemeClr val="accent6"/>
+          </a:effectRef>
+          <a:fontRef idx="minor">
+            <a:schemeClr val="dk1"/>
+          </a:fontRef>
+        </p:style>
+      </p:cxnSp>
+      <p:sp>
+        <p:nvSpPr>
+          <p:cNvPr id="73" name="Rectangle 8"/>
+          <p:cNvSpPr/>
+          <p:nvPr/>
+        </p:nvSpPr>
+        <p:spPr>
+          <a:xfrm>
+            <a:off x="7615738" y="2477656"/>
+            <a:ext cx="1259718" cy="346760"/>
+          </a:xfrm>
+          <a:prstGeom prst="rect">
+            <a:avLst/>
+          </a:prstGeom>
+          <a:ln w="19050"/>
+          <a:effectLst/>
+        </p:spPr>
+        <p:style>
+          <a:lnRef idx="1">
+            <a:schemeClr val="accent6"/>
+          </a:lnRef>
+          <a:fillRef idx="2">
+            <a:schemeClr val="accent6"/>
+          </a:fillRef>
+          <a:effectRef idx="1">
+            <a:schemeClr val="accent6"/>
+          </a:effectRef>
+          <a:fontRef idx="minor">
+            <a:schemeClr val="dk1"/>
+          </a:fontRef>
+        </p:style>
+        <p:txBody>
+          <a:bodyPr rtlCol="0" anchor="ctr"/>
+          <a:lstStyle/>
+          <a:p>
+            <a:pPr algn="ctr"/>
+            <a:r>
+              <a:rPr lang="en-US" sz="1050" b="1" dirty="0" err="1" smtClean="0">
+                <a:solidFill>
+                  <a:schemeClr val="accent6">
+                    <a:lumMod val="75000"/>
+                  </a:schemeClr>
+                </a:solidFill>
+              </a:rPr>
+              <a:t>XmlAdaptedTag</a:t>
             </a:r>
             <a:endParaRPr lang="en-SG" sz="1050" b="1" dirty="0">
               <a:solidFill>
@@ -4707,7 +4780,7 @@
                   </a:schemeClr>
                 </a:solidFill>
               </a:rPr>
-              <a:t>XmlAdaptedTak</a:t>
+              <a:t>XmlAdaptedPerson</a:t>
             </a:r>
             <a:endParaRPr lang="en-SG" sz="1050" b="1" dirty="0">
               <a:solidFill>
